--- a/php-fw9/Products.pptx
+++ b/php-fw9/Products.pptx
@@ -5,24 +5,36 @@
     <p:sldMasterId id="2147484302" r:id="rId1"/>
   </p:sldMasterIdLst>
   <p:notesMasterIdLst>
-    <p:notesMasterId r:id="rId14"/>
+    <p:notesMasterId r:id="rId26"/>
   </p:notesMasterIdLst>
   <p:handoutMasterIdLst>
-    <p:handoutMasterId r:id="rId15"/>
+    <p:handoutMasterId r:id="rId27"/>
   </p:handoutMasterIdLst>
   <p:sldIdLst>
     <p:sldId id="256" r:id="rId2"/>
     <p:sldId id="257" r:id="rId3"/>
     <p:sldId id="258" r:id="rId4"/>
     <p:sldId id="263" r:id="rId5"/>
-    <p:sldId id="264" r:id="rId6"/>
-    <p:sldId id="265" r:id="rId7"/>
-    <p:sldId id="266" r:id="rId8"/>
-    <p:sldId id="271" r:id="rId9"/>
-    <p:sldId id="267" r:id="rId10"/>
-    <p:sldId id="269" r:id="rId11"/>
-    <p:sldId id="272" r:id="rId12"/>
-    <p:sldId id="262" r:id="rId13"/>
+    <p:sldId id="274" r:id="rId6"/>
+    <p:sldId id="273" r:id="rId7"/>
+    <p:sldId id="276" r:id="rId8"/>
+    <p:sldId id="275" r:id="rId9"/>
+    <p:sldId id="277" r:id="rId10"/>
+    <p:sldId id="265" r:id="rId11"/>
+    <p:sldId id="264" r:id="rId12"/>
+    <p:sldId id="278" r:id="rId13"/>
+    <p:sldId id="279" r:id="rId14"/>
+    <p:sldId id="266" r:id="rId15"/>
+    <p:sldId id="267" r:id="rId16"/>
+    <p:sldId id="271" r:id="rId17"/>
+    <p:sldId id="280" r:id="rId18"/>
+    <p:sldId id="269" r:id="rId19"/>
+    <p:sldId id="272" r:id="rId20"/>
+    <p:sldId id="283" r:id="rId21"/>
+    <p:sldId id="282" r:id="rId22"/>
+    <p:sldId id="281" r:id="rId23"/>
+    <p:sldId id="284" r:id="rId24"/>
+    <p:sldId id="262" r:id="rId25"/>
   </p:sldIdLst>
   <p:sldSz cx="9144000" cy="6858000" type="screen4x3"/>
   <p:notesSz cx="6858000" cy="9144000"/>
@@ -153,7 +165,7 @@
   </p:defaultTextStyle>
   <p:extLst>
     <p:ext uri="{EFAFB233-063F-42B5-8137-9DF3F51BA10A}">
-      <p15:sldGuideLst xmlns:p15="http://schemas.microsoft.com/office/powerpoint/2012/main" xmlns="">
+      <p15:sldGuideLst xmlns:p15="http://schemas.microsoft.com/office/powerpoint/2012/main">
         <p15:guide id="1" orient="horz" pos="2160">
           <p15:clr>
             <a:srgbClr val="A4A3A4"/>
@@ -167,7 +179,7 @@
       </p15:sldGuideLst>
     </p:ext>
     <p:ext uri="{2D200454-40CA-4A62-9FC3-DE9A4176ACB9}">
-      <p15:notesGuideLst xmlns:p15="http://schemas.microsoft.com/office/powerpoint/2012/main" xmlns="">
+      <p15:notesGuideLst xmlns:p15="http://schemas.microsoft.com/office/powerpoint/2012/main">
         <p15:guide id="1" orient="horz" pos="2880">
           <p15:clr>
             <a:srgbClr val="A4A3A4"/>
@@ -576,7 +588,7 @@
               </a14:hiddenFill>
             </a:ext>
             <a:ext uri="{FAA26D3D-D897-4be2-8F04-BA451C77F1D7}">
-              <ma14:placeholderFlag xmlns="" xmlns:ma14="http://schemas.microsoft.com/office/mac/drawingml/2011/main" val="1"/>
+              <ma14:placeholderFlag xmlns:ma14="http://schemas.microsoft.com/office/mac/drawingml/2011/main" xmlns="" val="1"/>
             </a:ext>
           </a:extLst>
         </p:spPr>
@@ -1118,7 +1130,7 @@
               </a14:hiddenLine>
             </a:ext>
             <a:ext uri="{FAA26D3D-D897-4be2-8F04-BA451C77F1D7}">
-              <ma14:placeholderFlag xmlns:ma14="http://schemas.microsoft.com/office/mac/drawingml/2011/main" xmlns="" val="1"/>
+              <ma14:placeholderFlag xmlns="" xmlns:ma14="http://schemas.microsoft.com/office/mac/drawingml/2011/main" val="1"/>
             </a:ext>
           </a:extLst>
         </p:spPr>
@@ -1131,6 +1143,11 @@
         </p:txBody>
       </p:sp>
     </p:spTree>
+    <p:extLst>
+      <p:ext uri="{BB962C8B-B14F-4D97-AF65-F5344CB8AC3E}">
+        <p14:creationId xmlns:p14="http://schemas.microsoft.com/office/powerpoint/2010/main" val="1766187078"/>
+      </p:ext>
+    </p:extLst>
   </p:cSld>
   <p:clrMapOvr>
     <a:masterClrMapping/>
@@ -1316,7 +1333,7 @@
                   <a:spcPct val="0"/>
                 </a:spcBef>
               </a:pPr>
-              <a:t>12</a:t>
+              <a:t>24</a:t>
             </a:fld>
             <a:endParaRPr kumimoji="0" lang="en-US" altLang="zh-TW"/>
           </a:p>
@@ -1368,7 +1385,7 @@
               </a14:hiddenLine>
             </a:ext>
             <a:ext uri="{FAA26D3D-D897-4be2-8F04-BA451C77F1D7}">
-              <ma14:placeholderFlag xmlns:ma14="http://schemas.microsoft.com/office/mac/drawingml/2011/main" xmlns="" val="1"/>
+              <ma14:placeholderFlag xmlns="" xmlns:ma14="http://schemas.microsoft.com/office/mac/drawingml/2011/main" val="1"/>
             </a:ext>
           </a:extLst>
         </p:spPr>
@@ -1381,6 +1398,11 @@
         </p:txBody>
       </p:sp>
     </p:spTree>
+    <p:extLst>
+      <p:ext uri="{BB962C8B-B14F-4D97-AF65-F5344CB8AC3E}">
+        <p14:creationId xmlns:p14="http://schemas.microsoft.com/office/powerpoint/2010/main" val="1279236201"/>
+      </p:ext>
+    </p:extLst>
   </p:cSld>
   <p:clrMapOvr>
     <a:masterClrMapping/>
@@ -7446,7 +7468,7 @@
               </a14:hiddenLine>
             </a:ext>
             <a:ext uri="{FAA26D3D-D897-4be2-8F04-BA451C77F1D7}">
-              <ma14:placeholderFlag xmlns="" xmlns:ma14="http://schemas.microsoft.com/office/mac/drawingml/2011/main" val="1"/>
+              <ma14:placeholderFlag xmlns:ma14="http://schemas.microsoft.com/office/mac/drawingml/2011/main" xmlns="" val="1"/>
             </a:ext>
           </a:extLst>
         </p:spPr>
@@ -7507,7 +7529,7 @@
               </a14:hiddenLine>
             </a:ext>
             <a:ext uri="{FAA26D3D-D897-4be2-8F04-BA451C77F1D7}">
-              <ma14:placeholderFlag xmlns="" xmlns:ma14="http://schemas.microsoft.com/office/mac/drawingml/2011/main" val="1"/>
+              <ma14:placeholderFlag xmlns:ma14="http://schemas.microsoft.com/office/mac/drawingml/2011/main" xmlns="" val="1"/>
             </a:ext>
           </a:extLst>
         </p:spPr>
@@ -8446,7 +8468,7 @@
           <a:p>
             <a:r>
               <a:rPr lang="en-US" altLang="zh-HK" dirty="0" smtClean="0"/>
-              <a:t>Read</a:t>
+              <a:t>PHP</a:t>
             </a:r>
             <a:endParaRPr lang="zh-HK" altLang="en-US" dirty="0"/>
           </a:p>
@@ -8469,50 +8491,84 @@
           <a:p>
             <a:r>
               <a:rPr lang="en-US" altLang="zh-HK" dirty="0" smtClean="0"/>
-              <a:t>Open </a:t>
-            </a:r>
-            <a:r>
-              <a:rPr lang="en-US" altLang="zh-HK" dirty="0" err="1" smtClean="0"/>
-              <a:t>sms_read.php</a:t>
-            </a:r>
+              <a:t>Move PHP </a:t>
+            </a:r>
+            <a:r>
+              <a:rPr lang="en-US" altLang="zh-HK" dirty="0"/>
+              <a:t>code outside </a:t>
+            </a:r>
+            <a:r>
+              <a:rPr lang="en-US" altLang="zh-HK" b="1" dirty="0" err="1" smtClean="0"/>
+              <a:t>div.product</a:t>
+            </a:r>
+            <a:r>
+              <a:rPr lang="en-US" altLang="zh-HK" dirty="0"/>
+              <a:t>.</a:t>
+            </a:r>
+            <a:endParaRPr lang="en-US" altLang="zh-HK" dirty="0" smtClean="0"/>
+          </a:p>
+          <a:p>
+            <a:r>
+              <a:rPr lang="en-US" altLang="zh-HK" dirty="0"/>
+              <a:t>&lt;?</a:t>
+            </a:r>
+            <a:r>
+              <a:rPr lang="en-US" altLang="zh-HK" dirty="0" err="1"/>
+              <a:t>php</a:t>
+            </a:r>
+            <a:endParaRPr lang="en-US" altLang="zh-HK" dirty="0"/>
+          </a:p>
+          <a:p>
+            <a:r>
+              <a:rPr lang="en-US" altLang="zh-HK" dirty="0" err="1"/>
+              <a:t>foreach</a:t>
+            </a:r>
+            <a:r>
+              <a:rPr lang="en-US" altLang="zh-HK" dirty="0"/>
+              <a:t>($</a:t>
+            </a:r>
+            <a:r>
+              <a:rPr lang="en-US" altLang="zh-HK" dirty="0" err="1"/>
+              <a:t>recordset</a:t>
+            </a:r>
+            <a:r>
+              <a:rPr lang="en-US" altLang="zh-HK" dirty="0"/>
+              <a:t> as $record){</a:t>
+            </a:r>
+          </a:p>
+          <a:p>
             <a:r>
               <a:rPr lang="en-US" altLang="zh-HK" dirty="0" smtClean="0"/>
-              <a:t>.  Save as </a:t>
-            </a:r>
-            <a:r>
-              <a:rPr lang="en-US" altLang="zh-HK" dirty="0" err="1" smtClean="0"/>
-              <a:t>products_read.php</a:t>
-            </a:r>
-            <a:endParaRPr lang="en-US" altLang="zh-HK" dirty="0" smtClean="0"/>
-          </a:p>
-          <a:p>
-            <a:r>
-              <a:rPr lang="en-US" altLang="zh-HK" dirty="0" err="1" smtClean="0"/>
-              <a:t>Ctrl+F</a:t>
-            </a:r>
+              <a:t>?&gt;</a:t>
+            </a:r>
+          </a:p>
+          <a:p>
             <a:r>
               <a:rPr lang="en-US" altLang="zh-HK" dirty="0" smtClean="0"/>
-              <a:t> replace </a:t>
-            </a:r>
-            <a:r>
-              <a:rPr lang="en-US" altLang="zh-HK" b="1" dirty="0" err="1" smtClean="0"/>
-              <a:t>sms</a:t>
-            </a:r>
-            <a:r>
-              <a:rPr lang="en-US" altLang="zh-HK" dirty="0" smtClean="0"/>
-              <a:t> to </a:t>
-            </a:r>
-            <a:r>
-              <a:rPr lang="en-US" altLang="zh-HK" b="1" dirty="0" smtClean="0"/>
-              <a:t>products</a:t>
-            </a:r>
+              <a:t>[…]</a:t>
+            </a:r>
+          </a:p>
+          <a:p>
+            <a:r>
+              <a:rPr lang="en-US" altLang="zh-HK" dirty="0"/>
+              <a:t>&lt;?</a:t>
+            </a:r>
+            <a:r>
+              <a:rPr lang="en-US" altLang="zh-HK" dirty="0" err="1"/>
+              <a:t>php</a:t>
+            </a:r>
+            <a:r>
+              <a:rPr lang="en-US" altLang="zh-HK" dirty="0"/>
+              <a:t> } ?&gt;</a:t>
+            </a:r>
+            <a:endParaRPr lang="zh-HK" altLang="en-US" dirty="0"/>
           </a:p>
         </p:txBody>
       </p:sp>
     </p:spTree>
     <p:extLst>
       <p:ext uri="{BB962C8B-B14F-4D97-AF65-F5344CB8AC3E}">
-        <p14:creationId xmlns:p14="http://schemas.microsoft.com/office/powerpoint/2010/main" val="2835121307"/>
+        <p14:creationId xmlns:p14="http://schemas.microsoft.com/office/powerpoint/2010/main" val="3215714020"/>
       </p:ext>
     </p:extLst>
   </p:cSld>
@@ -8556,85 +8612,42 @@
           <a:p>
             <a:r>
               <a:rPr lang="en-US" altLang="zh-HK" dirty="0" smtClean="0"/>
-              <a:t>Add fields</a:t>
+              <a:t>Result</a:t>
             </a:r>
             <a:endParaRPr lang="zh-HK" altLang="en-US" dirty="0"/>
           </a:p>
         </p:txBody>
       </p:sp>
-      <p:sp>
-        <p:nvSpPr>
-          <p:cNvPr id="3" name="Content Placeholder 2"/>
-          <p:cNvSpPr>
-            <a:spLocks noGrp="1"/>
-          </p:cNvSpPr>
+      <p:pic>
+        <p:nvPicPr>
+          <p:cNvPr id="5" name="Content Placeholder 4"/>
+          <p:cNvPicPr>
+            <a:picLocks noGrp="1" noChangeAspect="1"/>
+          </p:cNvPicPr>
           <p:nvPr>
             <p:ph idx="1"/>
           </p:nvPr>
-        </p:nvSpPr>
-        <p:spPr/>
-        <p:txBody>
-          <a:bodyPr/>
-          <a:lstStyle/>
-          <a:p>
-            <a:r>
-              <a:rPr lang="en-US" altLang="zh-HK" dirty="0" smtClean="0"/>
-              <a:t>    </a:t>
-            </a:r>
-            <a:r>
-              <a:rPr lang="en-US" altLang="zh-HK" dirty="0"/>
-              <a:t>&lt;</a:t>
-            </a:r>
-            <a:r>
-              <a:rPr lang="en-US" altLang="zh-HK" dirty="0" err="1"/>
-              <a:t>tr</a:t>
-            </a:r>
-            <a:r>
-              <a:rPr lang="en-US" altLang="zh-HK" dirty="0"/>
-              <a:t>&gt;</a:t>
-            </a:r>
-          </a:p>
-          <a:p>
-            <a:r>
-              <a:rPr lang="en-US" altLang="zh-HK" dirty="0"/>
-              <a:t>      &lt;td&gt;name&lt;/td&gt;</a:t>
-            </a:r>
-          </a:p>
-          <a:p>
-            <a:r>
-              <a:rPr lang="en-US" altLang="zh-HK" dirty="0"/>
-              <a:t>      &lt;td&gt;&lt;?</a:t>
-            </a:r>
-            <a:r>
-              <a:rPr lang="en-US" altLang="zh-HK" dirty="0" err="1"/>
-              <a:t>php</a:t>
-            </a:r>
-            <a:r>
-              <a:rPr lang="en-US" altLang="zh-HK" dirty="0"/>
-              <a:t> echo $record['name']; ?&gt;&lt;/td&gt;</a:t>
-            </a:r>
-          </a:p>
-          <a:p>
-            <a:r>
-              <a:rPr lang="en-US" altLang="zh-HK" dirty="0"/>
-              <a:t>    &lt;/</a:t>
-            </a:r>
-            <a:r>
-              <a:rPr lang="en-US" altLang="zh-HK" dirty="0" err="1"/>
-              <a:t>tr</a:t>
-            </a:r>
-            <a:r>
-              <a:rPr lang="en-US" altLang="zh-HK" dirty="0"/>
-              <a:t>&gt;</a:t>
-            </a:r>
-            <a:endParaRPr lang="en-US" altLang="zh-HK" dirty="0" smtClean="0"/>
-          </a:p>
-        </p:txBody>
-      </p:sp>
+        </p:nvPicPr>
+        <p:blipFill>
+          <a:blip r:embed="rId2"/>
+          <a:stretch>
+            <a:fillRect/>
+          </a:stretch>
+        </p:blipFill>
+        <p:spPr>
+          <a:xfrm>
+            <a:off x="2778006" y="2667000"/>
+            <a:ext cx="4113451" cy="3332163"/>
+          </a:xfrm>
+          <a:prstGeom prst="rect">
+            <a:avLst/>
+          </a:prstGeom>
+        </p:spPr>
+      </p:pic>
     </p:spTree>
     <p:extLst>
       <p:ext uri="{BB962C8B-B14F-4D97-AF65-F5344CB8AC3E}">
-        <p14:creationId xmlns:p14="http://schemas.microsoft.com/office/powerpoint/2010/main" val="2637949096"/>
+        <p14:creationId xmlns:p14="http://schemas.microsoft.com/office/powerpoint/2010/main" val="2370935618"/>
       </p:ext>
     </p:extLst>
   </p:cSld>
@@ -8663,63 +8676,867 @@
       </p:grpSpPr>
       <p:sp>
         <p:nvSpPr>
-          <p:cNvPr id="24578" name="Rectangle 2"/>
-          <p:cNvSpPr>
-            <a:spLocks noGrp="1" noChangeArrowheads="1"/>
-          </p:cNvSpPr>
-          <p:nvPr>
-            <p:ph type="ctrTitle"/>
-          </p:nvPr>
-        </p:nvSpPr>
+          <p:cNvPr id="2" name="Title 1"/>
+          <p:cNvSpPr>
+            <a:spLocks noGrp="1"/>
+          </p:cNvSpPr>
+          <p:nvPr>
+            <p:ph type="title"/>
+          </p:nvPr>
+        </p:nvSpPr>
+        <p:spPr/>
+        <p:txBody>
+          <a:bodyPr/>
+          <a:lstStyle/>
+          <a:p>
+            <a:r>
+              <a:rPr lang="en-US" altLang="zh-HK" dirty="0" smtClean="0"/>
+              <a:t>CSS</a:t>
+            </a:r>
+            <a:endParaRPr lang="zh-HK" altLang="en-US" dirty="0"/>
+          </a:p>
+        </p:txBody>
+      </p:sp>
+      <p:sp>
+        <p:nvSpPr>
+          <p:cNvPr id="3" name="Content Placeholder 2"/>
+          <p:cNvSpPr>
+            <a:spLocks noGrp="1"/>
+          </p:cNvSpPr>
+          <p:nvPr>
+            <p:ph idx="1"/>
+          </p:nvPr>
+        </p:nvSpPr>
+        <p:spPr/>
+        <p:txBody>
+          <a:bodyPr/>
+          <a:lstStyle/>
+          <a:p>
+            <a:r>
+              <a:rPr lang="en-US" altLang="zh-HK" dirty="0" smtClean="0"/>
+              <a:t>Attach products.css</a:t>
+            </a:r>
+          </a:p>
+          <a:p>
+            <a:r>
+              <a:rPr lang="en-US" altLang="zh-HK" dirty="0" smtClean="0"/>
+              <a:t>File -&gt; Attach Style Sheet</a:t>
+            </a:r>
+            <a:endParaRPr lang="zh-HK" altLang="en-US" dirty="0"/>
+          </a:p>
+        </p:txBody>
+      </p:sp>
+      <p:pic>
+        <p:nvPicPr>
+          <p:cNvPr id="4" name="Picture 3"/>
+          <p:cNvPicPr>
+            <a:picLocks noChangeAspect="1"/>
+          </p:cNvPicPr>
+          <p:nvPr/>
+        </p:nvPicPr>
+        <p:blipFill>
+          <a:blip r:embed="rId2"/>
+          <a:stretch>
+            <a:fillRect/>
+          </a:stretch>
+        </p:blipFill>
         <p:spPr>
           <a:xfrm>
-            <a:off x="1739900" y="914400"/>
-            <a:ext cx="6946900" cy="3487738"/>
+            <a:off x="4823031" y="4437112"/>
+            <a:ext cx="4086225" cy="2200275"/>
           </a:xfrm>
+          <a:prstGeom prst="rect">
+            <a:avLst/>
+          </a:prstGeom>
         </p:spPr>
-        <p:txBody>
-          <a:bodyPr/>
-          <a:lstStyle/>
-          <a:p>
-            <a:r>
-              <a:rPr lang="en-US" altLang="zh-TW">
-                <a:ln>
-                  <a:noFill/>
-                </a:ln>
-              </a:rPr>
-              <a:t>QUESTIONS</a:t>
-            </a:r>
-          </a:p>
-        </p:txBody>
-      </p:sp>
-      <p:sp>
-        <p:nvSpPr>
-          <p:cNvPr id="24579" name="Subtitle 2"/>
-          <p:cNvSpPr>
-            <a:spLocks noGrp="1"/>
-          </p:cNvSpPr>
-          <p:nvPr>
-            <p:ph type="subTitle" idx="1"/>
-          </p:nvPr>
-        </p:nvSpPr>
-        <p:spPr>
-          <a:xfrm>
-            <a:off x="2924175" y="4402138"/>
-            <a:ext cx="5762625" cy="1365250"/>
-          </a:xfrm>
-        </p:spPr>
-        <p:txBody>
-          <a:bodyPr/>
-          <a:lstStyle/>
-          <a:p>
-            <a:endParaRPr lang="zh-HK" altLang="en-US"/>
-          </a:p>
-        </p:txBody>
-      </p:sp>
+      </p:pic>
     </p:spTree>
     <p:extLst>
       <p:ext uri="{BB962C8B-B14F-4D97-AF65-F5344CB8AC3E}">
-        <p14:creationId xmlns:p14="http://schemas.microsoft.com/office/powerpoint/2010/main" val="3071468176"/>
+        <p14:creationId xmlns:p14="http://schemas.microsoft.com/office/powerpoint/2010/main" val="196950250"/>
+      </p:ext>
+    </p:extLst>
+  </p:cSld>
+  <p:clrMapOvr>
+    <a:masterClrMapping/>
+  </p:clrMapOvr>
+</p:sld>
+</file>
+
+<file path=ppt/slides/slide13.xml><?xml version="1.0" encoding="utf-8"?>
+<p:sld xmlns:a="http://schemas.openxmlformats.org/drawingml/2006/main" xmlns:r="http://schemas.openxmlformats.org/officeDocument/2006/relationships" xmlns:p="http://schemas.openxmlformats.org/presentationml/2006/main">
+  <p:cSld>
+    <p:spTree>
+      <p:nvGrpSpPr>
+        <p:cNvPr id="1" name=""/>
+        <p:cNvGrpSpPr/>
+        <p:nvPr/>
+      </p:nvGrpSpPr>
+      <p:grpSpPr>
+        <a:xfrm>
+          <a:off x="0" y="0"/>
+          <a:ext cx="0" cy="0"/>
+          <a:chOff x="0" y="0"/>
+          <a:chExt cx="0" cy="0"/>
+        </a:xfrm>
+      </p:grpSpPr>
+      <p:sp>
+        <p:nvSpPr>
+          <p:cNvPr id="2" name="Title 1"/>
+          <p:cNvSpPr>
+            <a:spLocks noGrp="1"/>
+          </p:cNvSpPr>
+          <p:nvPr>
+            <p:ph type="title"/>
+          </p:nvPr>
+        </p:nvSpPr>
+        <p:spPr/>
+        <p:txBody>
+          <a:bodyPr/>
+          <a:lstStyle/>
+          <a:p>
+            <a:r>
+              <a:rPr lang="en-US" altLang="zh-HK" dirty="0" smtClean="0"/>
+              <a:t>Result</a:t>
+            </a:r>
+            <a:endParaRPr lang="zh-HK" altLang="en-US" dirty="0"/>
+          </a:p>
+        </p:txBody>
+      </p:sp>
+      <p:pic>
+        <p:nvPicPr>
+          <p:cNvPr id="4" name="Content Placeholder 3"/>
+          <p:cNvPicPr>
+            <a:picLocks noGrp="1" noChangeAspect="1"/>
+          </p:cNvPicPr>
+          <p:nvPr>
+            <p:ph idx="1"/>
+          </p:nvPr>
+        </p:nvPicPr>
+        <p:blipFill>
+          <a:blip r:embed="rId2"/>
+          <a:stretch>
+            <a:fillRect/>
+          </a:stretch>
+        </p:blipFill>
+        <p:spPr>
+          <a:xfrm>
+            <a:off x="1105694" y="2751931"/>
+            <a:ext cx="7458075" cy="3162300"/>
+          </a:xfrm>
+          <a:prstGeom prst="rect">
+            <a:avLst/>
+          </a:prstGeom>
+        </p:spPr>
+      </p:pic>
+    </p:spTree>
+    <p:extLst>
+      <p:ext uri="{BB962C8B-B14F-4D97-AF65-F5344CB8AC3E}">
+        <p14:creationId xmlns:p14="http://schemas.microsoft.com/office/powerpoint/2010/main" val="507936937"/>
+      </p:ext>
+    </p:extLst>
+  </p:cSld>
+  <p:clrMapOvr>
+    <a:masterClrMapping/>
+  </p:clrMapOvr>
+</p:sld>
+</file>
+
+<file path=ppt/slides/slide14.xml><?xml version="1.0" encoding="utf-8"?>
+<p:sld xmlns:a="http://schemas.openxmlformats.org/drawingml/2006/main" xmlns:r="http://schemas.openxmlformats.org/officeDocument/2006/relationships" xmlns:p="http://schemas.openxmlformats.org/presentationml/2006/main">
+  <p:cSld>
+    <p:spTree>
+      <p:nvGrpSpPr>
+        <p:cNvPr id="1" name=""/>
+        <p:cNvGrpSpPr/>
+        <p:nvPr/>
+      </p:nvGrpSpPr>
+      <p:grpSpPr>
+        <a:xfrm>
+          <a:off x="0" y="0"/>
+          <a:ext cx="0" cy="0"/>
+          <a:chOff x="0" y="0"/>
+          <a:chExt cx="0" cy="0"/>
+        </a:xfrm>
+      </p:grpSpPr>
+      <p:sp>
+        <p:nvSpPr>
+          <p:cNvPr id="2" name="Title 1"/>
+          <p:cNvSpPr>
+            <a:spLocks noGrp="1"/>
+          </p:cNvSpPr>
+          <p:nvPr>
+            <p:ph type="title"/>
+          </p:nvPr>
+        </p:nvSpPr>
+        <p:spPr/>
+        <p:txBody>
+          <a:bodyPr/>
+          <a:lstStyle/>
+          <a:p>
+            <a:r>
+              <a:rPr lang="en-US" altLang="zh-HK" dirty="0" smtClean="0"/>
+              <a:t>Image</a:t>
+            </a:r>
+            <a:endParaRPr lang="zh-HK" altLang="en-US" dirty="0"/>
+          </a:p>
+        </p:txBody>
+      </p:sp>
+      <p:sp>
+        <p:nvSpPr>
+          <p:cNvPr id="3" name="Content Placeholder 2"/>
+          <p:cNvSpPr>
+            <a:spLocks noGrp="1"/>
+          </p:cNvSpPr>
+          <p:nvPr>
+            <p:ph idx="1"/>
+          </p:nvPr>
+        </p:nvSpPr>
+        <p:spPr/>
+        <p:txBody>
+          <a:bodyPr/>
+          <a:lstStyle/>
+          <a:p>
+            <a:r>
+              <a:rPr lang="en-US" altLang="zh-HK" dirty="0"/>
+              <a:t>&lt;</a:t>
+            </a:r>
+            <a:r>
+              <a:rPr lang="en-US" altLang="zh-HK" dirty="0" err="1"/>
+              <a:t>img</a:t>
+            </a:r>
+            <a:r>
+              <a:rPr lang="en-US" altLang="zh-HK" dirty="0"/>
+              <a:t> </a:t>
+            </a:r>
+            <a:r>
+              <a:rPr lang="en-US" altLang="zh-HK" dirty="0" err="1"/>
+              <a:t>src</a:t>
+            </a:r>
+            <a:r>
+              <a:rPr lang="en-US" altLang="zh-HK" dirty="0" smtClean="0"/>
+              <a:t>=""&gt;</a:t>
+            </a:r>
+          </a:p>
+          <a:p>
+            <a:r>
+              <a:rPr lang="en-US" altLang="zh-HK" dirty="0"/>
+              <a:t>Move &lt;?</a:t>
+            </a:r>
+            <a:r>
+              <a:rPr lang="en-US" altLang="zh-HK" dirty="0" err="1"/>
+              <a:t>php</a:t>
+            </a:r>
+            <a:r>
+              <a:rPr lang="en-US" altLang="zh-HK" dirty="0"/>
+              <a:t> echo $record['image']; </a:t>
+            </a:r>
+            <a:r>
+              <a:rPr lang="en-US" altLang="zh-HK" dirty="0" smtClean="0"/>
+              <a:t>?&gt; inside </a:t>
+            </a:r>
+            <a:r>
+              <a:rPr lang="en-US" altLang="zh-HK" b="1" dirty="0" err="1" smtClean="0"/>
+              <a:t>src</a:t>
+            </a:r>
+            <a:endParaRPr lang="en-US" altLang="zh-HK" b="1" dirty="0" smtClean="0"/>
+          </a:p>
+          <a:p>
+            <a:r>
+              <a:rPr lang="en-US" altLang="zh-HK" dirty="0"/>
+              <a:t>width="100" height="100"</a:t>
+            </a:r>
+            <a:endParaRPr lang="zh-HK" altLang="en-US" dirty="0"/>
+          </a:p>
+        </p:txBody>
+      </p:sp>
+      <p:pic>
+        <p:nvPicPr>
+          <p:cNvPr id="5" name="Picture 4"/>
+          <p:cNvPicPr>
+            <a:picLocks noChangeAspect="1"/>
+          </p:cNvPicPr>
+          <p:nvPr/>
+        </p:nvPicPr>
+        <p:blipFill>
+          <a:blip r:embed="rId2"/>
+          <a:stretch>
+            <a:fillRect/>
+          </a:stretch>
+        </p:blipFill>
+        <p:spPr>
+          <a:xfrm>
+            <a:off x="446344" y="5157192"/>
+            <a:ext cx="8577452" cy="1626605"/>
+          </a:xfrm>
+          <a:prstGeom prst="rect">
+            <a:avLst/>
+          </a:prstGeom>
+        </p:spPr>
+      </p:pic>
+    </p:spTree>
+    <p:extLst>
+      <p:ext uri="{BB962C8B-B14F-4D97-AF65-F5344CB8AC3E}">
+        <p14:creationId xmlns:p14="http://schemas.microsoft.com/office/powerpoint/2010/main" val="4013111921"/>
+      </p:ext>
+    </p:extLst>
+  </p:cSld>
+  <p:clrMapOvr>
+    <a:masterClrMapping/>
+  </p:clrMapOvr>
+</p:sld>
+</file>
+
+<file path=ppt/slides/slide15.xml><?xml version="1.0" encoding="utf-8"?>
+<p:sld xmlns:a="http://schemas.openxmlformats.org/drawingml/2006/main" xmlns:r="http://schemas.openxmlformats.org/officeDocument/2006/relationships" xmlns:p="http://schemas.openxmlformats.org/presentationml/2006/main">
+  <p:cSld>
+    <p:spTree>
+      <p:nvGrpSpPr>
+        <p:cNvPr id="1" name=""/>
+        <p:cNvGrpSpPr/>
+        <p:nvPr/>
+      </p:nvGrpSpPr>
+      <p:grpSpPr>
+        <a:xfrm>
+          <a:off x="0" y="0"/>
+          <a:ext cx="0" cy="0"/>
+          <a:chOff x="0" y="0"/>
+          <a:chExt cx="0" cy="0"/>
+        </a:xfrm>
+      </p:grpSpPr>
+      <p:sp>
+        <p:nvSpPr>
+          <p:cNvPr id="2" name="Title 1"/>
+          <p:cNvSpPr>
+            <a:spLocks noGrp="1"/>
+          </p:cNvSpPr>
+          <p:nvPr>
+            <p:ph type="title"/>
+          </p:nvPr>
+        </p:nvSpPr>
+        <p:spPr/>
+        <p:txBody>
+          <a:bodyPr/>
+          <a:lstStyle/>
+          <a:p>
+            <a:r>
+              <a:rPr lang="en-US" altLang="zh-HK" dirty="0" smtClean="0"/>
+              <a:t>Link</a:t>
+            </a:r>
+            <a:endParaRPr lang="zh-HK" altLang="en-US" dirty="0"/>
+          </a:p>
+        </p:txBody>
+      </p:sp>
+      <p:sp>
+        <p:nvSpPr>
+          <p:cNvPr id="3" name="Content Placeholder 2"/>
+          <p:cNvSpPr>
+            <a:spLocks noGrp="1"/>
+          </p:cNvSpPr>
+          <p:nvPr>
+            <p:ph idx="1"/>
+          </p:nvPr>
+        </p:nvSpPr>
+        <p:spPr/>
+        <p:txBody>
+          <a:bodyPr/>
+          <a:lstStyle/>
+          <a:p>
+            <a:r>
+              <a:rPr lang="en-US" altLang="zh-HK" dirty="0"/>
+              <a:t>Move </a:t>
+            </a:r>
+            <a:r>
+              <a:rPr lang="en-US" altLang="zh-HK" dirty="0" smtClean="0"/>
+              <a:t>link HTML </a:t>
+            </a:r>
+            <a:r>
+              <a:rPr lang="en-US" altLang="zh-HK" dirty="0"/>
+              <a:t>code outside </a:t>
+            </a:r>
+            <a:r>
+              <a:rPr lang="en-US" altLang="zh-HK" b="1" dirty="0" err="1"/>
+              <a:t>div.product</a:t>
+            </a:r>
+            <a:r>
+              <a:rPr lang="en-US" altLang="zh-HK" dirty="0" smtClean="0"/>
+              <a:t>.</a:t>
+            </a:r>
+          </a:p>
+          <a:p>
+            <a:r>
+              <a:rPr lang="en-US" altLang="zh-HK" dirty="0" smtClean="0"/>
+              <a:t>&lt;</a:t>
+            </a:r>
+            <a:r>
+              <a:rPr lang="en-US" altLang="zh-HK" dirty="0"/>
+              <a:t>a </a:t>
+            </a:r>
+            <a:r>
+              <a:rPr lang="en-US" altLang="zh-HK" dirty="0" err="1"/>
+              <a:t>href</a:t>
+            </a:r>
+            <a:r>
+              <a:rPr lang="en-US" altLang="zh-HK" dirty="0"/>
+              <a:t>="</a:t>
+            </a:r>
+            <a:r>
+              <a:rPr lang="en-US" altLang="zh-HK" dirty="0" err="1"/>
+              <a:t>products_read.php?id</a:t>
+            </a:r>
+            <a:r>
+              <a:rPr lang="en-US" altLang="zh-HK" dirty="0"/>
+              <a:t>=&lt;?</a:t>
+            </a:r>
+            <a:r>
+              <a:rPr lang="en-US" altLang="zh-HK" dirty="0" err="1"/>
+              <a:t>php</a:t>
+            </a:r>
+            <a:r>
+              <a:rPr lang="en-US" altLang="zh-HK" dirty="0"/>
+              <a:t> echo $record['id']; </a:t>
+            </a:r>
+            <a:r>
+              <a:rPr lang="en-US" altLang="zh-HK" dirty="0" smtClean="0"/>
+              <a:t>?&gt;"&gt;</a:t>
+            </a:r>
+          </a:p>
+          <a:p>
+            <a:r>
+              <a:rPr lang="en-US" altLang="zh-HK" dirty="0" smtClean="0"/>
+              <a:t>[…]</a:t>
+            </a:r>
+          </a:p>
+          <a:p>
+            <a:r>
+              <a:rPr lang="en-US" altLang="zh-HK" dirty="0" smtClean="0"/>
+              <a:t>&lt;/a&gt;</a:t>
+            </a:r>
+            <a:endParaRPr lang="zh-HK" altLang="en-US" dirty="0"/>
+          </a:p>
+        </p:txBody>
+      </p:sp>
+    </p:spTree>
+    <p:extLst>
+      <p:ext uri="{BB962C8B-B14F-4D97-AF65-F5344CB8AC3E}">
+        <p14:creationId xmlns:p14="http://schemas.microsoft.com/office/powerpoint/2010/main" val="180331624"/>
+      </p:ext>
+    </p:extLst>
+  </p:cSld>
+  <p:clrMapOvr>
+    <a:masterClrMapping/>
+  </p:clrMapOvr>
+</p:sld>
+</file>
+
+<file path=ppt/slides/slide16.xml><?xml version="1.0" encoding="utf-8"?>
+<p:sld xmlns:a="http://schemas.openxmlformats.org/drawingml/2006/main" xmlns:r="http://schemas.openxmlformats.org/officeDocument/2006/relationships" xmlns:p="http://schemas.openxmlformats.org/presentationml/2006/main">
+  <p:cSld>
+    <p:spTree>
+      <p:nvGrpSpPr>
+        <p:cNvPr id="1" name=""/>
+        <p:cNvGrpSpPr/>
+        <p:nvPr/>
+      </p:nvGrpSpPr>
+      <p:grpSpPr>
+        <a:xfrm>
+          <a:off x="0" y="0"/>
+          <a:ext cx="0" cy="0"/>
+          <a:chOff x="0" y="0"/>
+          <a:chExt cx="0" cy="0"/>
+        </a:xfrm>
+      </p:grpSpPr>
+      <p:sp>
+        <p:nvSpPr>
+          <p:cNvPr id="2" name="Title 1"/>
+          <p:cNvSpPr>
+            <a:spLocks noGrp="1"/>
+          </p:cNvSpPr>
+          <p:nvPr>
+            <p:ph type="title"/>
+          </p:nvPr>
+        </p:nvSpPr>
+        <p:spPr/>
+        <p:txBody>
+          <a:bodyPr/>
+          <a:lstStyle/>
+          <a:p>
+            <a:r>
+              <a:rPr lang="en-US" altLang="zh-HK" dirty="0" smtClean="0"/>
+              <a:t>Dollar sign</a:t>
+            </a:r>
+            <a:endParaRPr lang="zh-HK" altLang="en-US" dirty="0"/>
+          </a:p>
+        </p:txBody>
+      </p:sp>
+      <p:sp>
+        <p:nvSpPr>
+          <p:cNvPr id="3" name="Content Placeholder 2"/>
+          <p:cNvSpPr>
+            <a:spLocks noGrp="1"/>
+          </p:cNvSpPr>
+          <p:nvPr>
+            <p:ph idx="1"/>
+          </p:nvPr>
+        </p:nvSpPr>
+        <p:spPr/>
+        <p:txBody>
+          <a:bodyPr/>
+          <a:lstStyle/>
+          <a:p>
+            <a:r>
+              <a:rPr lang="en-US" altLang="zh-HK" dirty="0" smtClean="0"/>
+              <a:t>Add a dollar sign before the price.</a:t>
+            </a:r>
+            <a:endParaRPr lang="zh-HK" altLang="en-US" dirty="0"/>
+          </a:p>
+        </p:txBody>
+      </p:sp>
+    </p:spTree>
+    <p:extLst>
+      <p:ext uri="{BB962C8B-B14F-4D97-AF65-F5344CB8AC3E}">
+        <p14:creationId xmlns:p14="http://schemas.microsoft.com/office/powerpoint/2010/main" val="1904726321"/>
+      </p:ext>
+    </p:extLst>
+  </p:cSld>
+  <p:clrMapOvr>
+    <a:masterClrMapping/>
+  </p:clrMapOvr>
+</p:sld>
+</file>
+
+<file path=ppt/slides/slide17.xml><?xml version="1.0" encoding="utf-8"?>
+<p:sld xmlns:a="http://schemas.openxmlformats.org/drawingml/2006/main" xmlns:r="http://schemas.openxmlformats.org/officeDocument/2006/relationships" xmlns:p="http://schemas.openxmlformats.org/presentationml/2006/main">
+  <p:cSld>
+    <p:spTree>
+      <p:nvGrpSpPr>
+        <p:cNvPr id="1" name=""/>
+        <p:cNvGrpSpPr/>
+        <p:nvPr/>
+      </p:nvGrpSpPr>
+      <p:grpSpPr>
+        <a:xfrm>
+          <a:off x="0" y="0"/>
+          <a:ext cx="0" cy="0"/>
+          <a:chOff x="0" y="0"/>
+          <a:chExt cx="0" cy="0"/>
+        </a:xfrm>
+      </p:grpSpPr>
+      <p:sp>
+        <p:nvSpPr>
+          <p:cNvPr id="2" name="Title 1"/>
+          <p:cNvSpPr>
+            <a:spLocks noGrp="1"/>
+          </p:cNvSpPr>
+          <p:nvPr>
+            <p:ph type="title"/>
+          </p:nvPr>
+        </p:nvSpPr>
+        <p:spPr/>
+        <p:txBody>
+          <a:bodyPr/>
+          <a:lstStyle/>
+          <a:p>
+            <a:r>
+              <a:rPr lang="en-US" altLang="zh-HK" dirty="0" smtClean="0"/>
+              <a:t>Result</a:t>
+            </a:r>
+            <a:endParaRPr lang="zh-HK" altLang="en-US" dirty="0"/>
+          </a:p>
+        </p:txBody>
+      </p:sp>
+      <p:pic>
+        <p:nvPicPr>
+          <p:cNvPr id="9" name="Content Placeholder 8"/>
+          <p:cNvPicPr>
+            <a:picLocks noGrp="1" noChangeAspect="1"/>
+          </p:cNvPicPr>
+          <p:nvPr>
+            <p:ph idx="1"/>
+          </p:nvPr>
+        </p:nvPicPr>
+        <p:blipFill>
+          <a:blip r:embed="rId2"/>
+          <a:stretch>
+            <a:fillRect/>
+          </a:stretch>
+        </p:blipFill>
+        <p:spPr>
+          <a:xfrm>
+            <a:off x="2623539" y="2667000"/>
+            <a:ext cx="4422384" cy="3332163"/>
+          </a:xfrm>
+          <a:prstGeom prst="rect">
+            <a:avLst/>
+          </a:prstGeom>
+        </p:spPr>
+      </p:pic>
+    </p:spTree>
+    <p:extLst>
+      <p:ext uri="{BB962C8B-B14F-4D97-AF65-F5344CB8AC3E}">
+        <p14:creationId xmlns:p14="http://schemas.microsoft.com/office/powerpoint/2010/main" val="906747865"/>
+      </p:ext>
+    </p:extLst>
+  </p:cSld>
+  <p:clrMapOvr>
+    <a:masterClrMapping/>
+  </p:clrMapOvr>
+</p:sld>
+</file>
+
+<file path=ppt/slides/slide18.xml><?xml version="1.0" encoding="utf-8"?>
+<p:sld xmlns:a="http://schemas.openxmlformats.org/drawingml/2006/main" xmlns:r="http://schemas.openxmlformats.org/officeDocument/2006/relationships" xmlns:p="http://schemas.openxmlformats.org/presentationml/2006/main">
+  <p:cSld>
+    <p:spTree>
+      <p:nvGrpSpPr>
+        <p:cNvPr id="1" name=""/>
+        <p:cNvGrpSpPr/>
+        <p:nvPr/>
+      </p:nvGrpSpPr>
+      <p:grpSpPr>
+        <a:xfrm>
+          <a:off x="0" y="0"/>
+          <a:ext cx="0" cy="0"/>
+          <a:chOff x="0" y="0"/>
+          <a:chExt cx="0" cy="0"/>
+        </a:xfrm>
+      </p:grpSpPr>
+      <p:sp>
+        <p:nvSpPr>
+          <p:cNvPr id="2" name="Title 1"/>
+          <p:cNvSpPr>
+            <a:spLocks noGrp="1"/>
+          </p:cNvSpPr>
+          <p:nvPr>
+            <p:ph type="title"/>
+          </p:nvPr>
+        </p:nvSpPr>
+        <p:spPr/>
+        <p:txBody>
+          <a:bodyPr/>
+          <a:lstStyle/>
+          <a:p>
+            <a:r>
+              <a:rPr lang="en-US" altLang="zh-HK" dirty="0" err="1" smtClean="0"/>
+              <a:t>Readone</a:t>
+            </a:r>
+            <a:endParaRPr lang="zh-HK" altLang="en-US" dirty="0"/>
+          </a:p>
+        </p:txBody>
+      </p:sp>
+      <p:sp>
+        <p:nvSpPr>
+          <p:cNvPr id="3" name="Content Placeholder 2"/>
+          <p:cNvSpPr>
+            <a:spLocks noGrp="1"/>
+          </p:cNvSpPr>
+          <p:nvPr>
+            <p:ph idx="1"/>
+          </p:nvPr>
+        </p:nvSpPr>
+        <p:spPr/>
+        <p:txBody>
+          <a:bodyPr/>
+          <a:lstStyle/>
+          <a:p>
+            <a:r>
+              <a:rPr lang="en-US" altLang="zh-HK" dirty="0" smtClean="0"/>
+              <a:t>Open </a:t>
+            </a:r>
+            <a:r>
+              <a:rPr lang="en-US" altLang="zh-HK" dirty="0" err="1" smtClean="0"/>
+              <a:t>sms_readone.php</a:t>
+            </a:r>
+            <a:r>
+              <a:rPr lang="en-US" altLang="zh-HK" dirty="0" smtClean="0"/>
+              <a:t>.  Save as </a:t>
+            </a:r>
+            <a:r>
+              <a:rPr lang="en-US" altLang="zh-HK" dirty="0" err="1" smtClean="0"/>
+              <a:t>products_read.php</a:t>
+            </a:r>
+            <a:endParaRPr lang="en-US" altLang="zh-HK" dirty="0" smtClean="0"/>
+          </a:p>
+          <a:p>
+            <a:r>
+              <a:rPr lang="en-US" altLang="zh-HK" dirty="0" err="1" smtClean="0"/>
+              <a:t>Ctrl+H</a:t>
+            </a:r>
+            <a:r>
+              <a:rPr lang="en-US" altLang="zh-HK" dirty="0" smtClean="0"/>
+              <a:t> </a:t>
+            </a:r>
+            <a:r>
+              <a:rPr lang="en-US" altLang="zh-HK" dirty="0" smtClean="0"/>
+              <a:t>replace </a:t>
+            </a:r>
+            <a:r>
+              <a:rPr lang="en-US" altLang="zh-HK" b="1" dirty="0" err="1" smtClean="0"/>
+              <a:t>sms</a:t>
+            </a:r>
+            <a:r>
+              <a:rPr lang="en-US" altLang="zh-HK" dirty="0" smtClean="0"/>
+              <a:t> to </a:t>
+            </a:r>
+            <a:r>
+              <a:rPr lang="en-US" altLang="zh-HK" b="1" dirty="0" smtClean="0"/>
+              <a:t>products</a:t>
+            </a:r>
+          </a:p>
+        </p:txBody>
+      </p:sp>
+    </p:spTree>
+    <p:extLst>
+      <p:ext uri="{BB962C8B-B14F-4D97-AF65-F5344CB8AC3E}">
+        <p14:creationId xmlns:p14="http://schemas.microsoft.com/office/powerpoint/2010/main" val="2835121307"/>
+      </p:ext>
+    </p:extLst>
+  </p:cSld>
+  <p:clrMapOvr>
+    <a:masterClrMapping/>
+  </p:clrMapOvr>
+</p:sld>
+</file>
+
+<file path=ppt/slides/slide19.xml><?xml version="1.0" encoding="utf-8"?>
+<p:sld xmlns:a="http://schemas.openxmlformats.org/drawingml/2006/main" xmlns:r="http://schemas.openxmlformats.org/officeDocument/2006/relationships" xmlns:p="http://schemas.openxmlformats.org/presentationml/2006/main">
+  <p:cSld>
+    <p:spTree>
+      <p:nvGrpSpPr>
+        <p:cNvPr id="1" name=""/>
+        <p:cNvGrpSpPr/>
+        <p:nvPr/>
+      </p:nvGrpSpPr>
+      <p:grpSpPr>
+        <a:xfrm>
+          <a:off x="0" y="0"/>
+          <a:ext cx="0" cy="0"/>
+          <a:chOff x="0" y="0"/>
+          <a:chExt cx="0" cy="0"/>
+        </a:xfrm>
+      </p:grpSpPr>
+      <p:sp>
+        <p:nvSpPr>
+          <p:cNvPr id="2" name="Title 1"/>
+          <p:cNvSpPr>
+            <a:spLocks noGrp="1"/>
+          </p:cNvSpPr>
+          <p:nvPr>
+            <p:ph type="title"/>
+          </p:nvPr>
+        </p:nvSpPr>
+        <p:spPr/>
+        <p:txBody>
+          <a:bodyPr/>
+          <a:lstStyle/>
+          <a:p>
+            <a:r>
+              <a:rPr lang="en-US" altLang="zh-HK" dirty="0" smtClean="0"/>
+              <a:t>Add fields</a:t>
+            </a:r>
+            <a:endParaRPr lang="zh-HK" altLang="en-US" dirty="0"/>
+          </a:p>
+        </p:txBody>
+      </p:sp>
+      <p:sp>
+        <p:nvSpPr>
+          <p:cNvPr id="3" name="Content Placeholder 2"/>
+          <p:cNvSpPr>
+            <a:spLocks noGrp="1"/>
+          </p:cNvSpPr>
+          <p:nvPr>
+            <p:ph idx="1"/>
+          </p:nvPr>
+        </p:nvSpPr>
+        <p:spPr/>
+        <p:txBody>
+          <a:bodyPr/>
+          <a:lstStyle/>
+          <a:p>
+            <a:r>
+              <a:rPr lang="en-US" altLang="zh-HK" dirty="0" smtClean="0"/>
+              <a:t>Add all </a:t>
+            </a:r>
+            <a:r>
+              <a:rPr lang="en-US" altLang="zh-HK" dirty="0" err="1" smtClean="0"/>
+              <a:t>db</a:t>
+            </a:r>
+            <a:r>
+              <a:rPr lang="en-US" altLang="zh-HK" dirty="0" smtClean="0"/>
+              <a:t> fields to the table </a:t>
+            </a:r>
+          </a:p>
+          <a:p>
+            <a:pPr marL="457200" lvl="1" indent="0">
+              <a:buNone/>
+            </a:pPr>
+            <a:r>
+              <a:rPr lang="en-US" altLang="zh-HK" dirty="0" smtClean="0"/>
+              <a:t>   </a:t>
+            </a:r>
+            <a:r>
+              <a:rPr lang="en-US" altLang="zh-HK" dirty="0"/>
+              <a:t>&lt;</a:t>
+            </a:r>
+            <a:r>
+              <a:rPr lang="en-US" altLang="zh-HK" dirty="0" err="1"/>
+              <a:t>tr</a:t>
+            </a:r>
+            <a:r>
+              <a:rPr lang="en-US" altLang="zh-HK" dirty="0"/>
+              <a:t>&gt;</a:t>
+            </a:r>
+          </a:p>
+          <a:p>
+            <a:pPr marL="457200" lvl="1" indent="0">
+              <a:buNone/>
+            </a:pPr>
+            <a:r>
+              <a:rPr lang="en-US" altLang="zh-HK" dirty="0"/>
+              <a:t>      &lt;td&gt;name&lt;/td&gt;</a:t>
+            </a:r>
+          </a:p>
+          <a:p>
+            <a:pPr marL="457200" lvl="1" indent="0">
+              <a:buNone/>
+            </a:pPr>
+            <a:r>
+              <a:rPr lang="en-US" altLang="zh-HK" dirty="0"/>
+              <a:t>      &lt;td&gt;&lt;?</a:t>
+            </a:r>
+            <a:r>
+              <a:rPr lang="en-US" altLang="zh-HK" dirty="0" err="1"/>
+              <a:t>php</a:t>
+            </a:r>
+            <a:r>
+              <a:rPr lang="en-US" altLang="zh-HK" dirty="0"/>
+              <a:t> echo $record['name']; ?&gt;&lt;/td&gt;</a:t>
+            </a:r>
+          </a:p>
+          <a:p>
+            <a:pPr marL="457200" lvl="1" indent="0">
+              <a:buNone/>
+            </a:pPr>
+            <a:r>
+              <a:rPr lang="en-US" altLang="zh-HK" dirty="0"/>
+              <a:t>    &lt;/</a:t>
+            </a:r>
+            <a:r>
+              <a:rPr lang="en-US" altLang="zh-HK" dirty="0" err="1"/>
+              <a:t>tr</a:t>
+            </a:r>
+            <a:r>
+              <a:rPr lang="en-US" altLang="zh-HK" dirty="0"/>
+              <a:t>&gt;</a:t>
+            </a:r>
+            <a:endParaRPr lang="en-US" altLang="zh-HK" dirty="0" smtClean="0"/>
+          </a:p>
+        </p:txBody>
+      </p:sp>
+    </p:spTree>
+    <p:extLst>
+      <p:ext uri="{BB962C8B-B14F-4D97-AF65-F5344CB8AC3E}">
+        <p14:creationId xmlns:p14="http://schemas.microsoft.com/office/powerpoint/2010/main" val="2637949096"/>
       </p:ext>
     </p:extLst>
   </p:cSld>
@@ -8801,6 +9618,410 @@
 </p:sld>
 </file>
 
+<file path=ppt/slides/slide20.xml><?xml version="1.0" encoding="utf-8"?>
+<p:sld xmlns:a="http://schemas.openxmlformats.org/drawingml/2006/main" xmlns:r="http://schemas.openxmlformats.org/officeDocument/2006/relationships" xmlns:p="http://schemas.openxmlformats.org/presentationml/2006/main">
+  <p:cSld>
+    <p:spTree>
+      <p:nvGrpSpPr>
+        <p:cNvPr id="1" name=""/>
+        <p:cNvGrpSpPr/>
+        <p:nvPr/>
+      </p:nvGrpSpPr>
+      <p:grpSpPr>
+        <a:xfrm>
+          <a:off x="0" y="0"/>
+          <a:ext cx="0" cy="0"/>
+          <a:chOff x="0" y="0"/>
+          <a:chExt cx="0" cy="0"/>
+        </a:xfrm>
+      </p:grpSpPr>
+      <p:sp>
+        <p:nvSpPr>
+          <p:cNvPr id="2" name="Title 1"/>
+          <p:cNvSpPr>
+            <a:spLocks noGrp="1"/>
+          </p:cNvSpPr>
+          <p:nvPr>
+            <p:ph type="title"/>
+          </p:nvPr>
+        </p:nvSpPr>
+        <p:spPr/>
+        <p:txBody>
+          <a:bodyPr/>
+          <a:lstStyle/>
+          <a:p>
+            <a:r>
+              <a:rPr lang="en-US" altLang="zh-HK" dirty="0" smtClean="0"/>
+              <a:t>Design view</a:t>
+            </a:r>
+            <a:endParaRPr lang="zh-HK" altLang="en-US" dirty="0"/>
+          </a:p>
+        </p:txBody>
+      </p:sp>
+      <p:pic>
+        <p:nvPicPr>
+          <p:cNvPr id="4" name="Content Placeholder 3"/>
+          <p:cNvPicPr>
+            <a:picLocks noGrp="1" noChangeAspect="1"/>
+          </p:cNvPicPr>
+          <p:nvPr>
+            <p:ph idx="1"/>
+          </p:nvPr>
+        </p:nvPicPr>
+        <p:blipFill>
+          <a:blip r:embed="rId2"/>
+          <a:stretch>
+            <a:fillRect/>
+          </a:stretch>
+        </p:blipFill>
+        <p:spPr>
+          <a:xfrm>
+            <a:off x="1924844" y="3113881"/>
+            <a:ext cx="5819775" cy="2438400"/>
+          </a:xfrm>
+          <a:prstGeom prst="rect">
+            <a:avLst/>
+          </a:prstGeom>
+        </p:spPr>
+      </p:pic>
+    </p:spTree>
+    <p:extLst>
+      <p:ext uri="{BB962C8B-B14F-4D97-AF65-F5344CB8AC3E}">
+        <p14:creationId xmlns:p14="http://schemas.microsoft.com/office/powerpoint/2010/main" val="3208116500"/>
+      </p:ext>
+    </p:extLst>
+  </p:cSld>
+  <p:clrMapOvr>
+    <a:masterClrMapping/>
+  </p:clrMapOvr>
+</p:sld>
+</file>
+
+<file path=ppt/slides/slide21.xml><?xml version="1.0" encoding="utf-8"?>
+<p:sld xmlns:a="http://schemas.openxmlformats.org/drawingml/2006/main" xmlns:r="http://schemas.openxmlformats.org/officeDocument/2006/relationships" xmlns:p="http://schemas.openxmlformats.org/presentationml/2006/main">
+  <p:cSld>
+    <p:spTree>
+      <p:nvGrpSpPr>
+        <p:cNvPr id="1" name=""/>
+        <p:cNvGrpSpPr/>
+        <p:nvPr/>
+      </p:nvGrpSpPr>
+      <p:grpSpPr>
+        <a:xfrm>
+          <a:off x="0" y="0"/>
+          <a:ext cx="0" cy="0"/>
+          <a:chOff x="0" y="0"/>
+          <a:chExt cx="0" cy="0"/>
+        </a:xfrm>
+      </p:grpSpPr>
+      <p:sp>
+        <p:nvSpPr>
+          <p:cNvPr id="2" name="Title 1"/>
+          <p:cNvSpPr>
+            <a:spLocks noGrp="1"/>
+          </p:cNvSpPr>
+          <p:nvPr>
+            <p:ph type="title"/>
+          </p:nvPr>
+        </p:nvSpPr>
+        <p:spPr/>
+        <p:txBody>
+          <a:bodyPr/>
+          <a:lstStyle/>
+          <a:p>
+            <a:r>
+              <a:rPr lang="en-US" altLang="zh-HK" dirty="0" smtClean="0"/>
+              <a:t>Code</a:t>
+            </a:r>
+            <a:endParaRPr lang="zh-HK" altLang="en-US" dirty="0"/>
+          </a:p>
+        </p:txBody>
+      </p:sp>
+      <p:pic>
+        <p:nvPicPr>
+          <p:cNvPr id="6" name="Content Placeholder 5"/>
+          <p:cNvPicPr>
+            <a:picLocks noGrp="1" noChangeAspect="1"/>
+          </p:cNvPicPr>
+          <p:nvPr>
+            <p:ph idx="1"/>
+          </p:nvPr>
+        </p:nvPicPr>
+        <p:blipFill>
+          <a:blip r:embed="rId2"/>
+          <a:stretch>
+            <a:fillRect/>
+          </a:stretch>
+        </p:blipFill>
+        <p:spPr>
+          <a:xfrm>
+            <a:off x="3358167" y="2667000"/>
+            <a:ext cx="2953129" cy="3332163"/>
+          </a:xfrm>
+          <a:prstGeom prst="rect">
+            <a:avLst/>
+          </a:prstGeom>
+        </p:spPr>
+      </p:pic>
+    </p:spTree>
+    <p:extLst>
+      <p:ext uri="{BB962C8B-B14F-4D97-AF65-F5344CB8AC3E}">
+        <p14:creationId xmlns:p14="http://schemas.microsoft.com/office/powerpoint/2010/main" val="1568074145"/>
+      </p:ext>
+    </p:extLst>
+  </p:cSld>
+  <p:clrMapOvr>
+    <a:masterClrMapping/>
+  </p:clrMapOvr>
+</p:sld>
+</file>
+
+<file path=ppt/slides/slide22.xml><?xml version="1.0" encoding="utf-8"?>
+<p:sld xmlns:a="http://schemas.openxmlformats.org/drawingml/2006/main" xmlns:r="http://schemas.openxmlformats.org/officeDocument/2006/relationships" xmlns:p="http://schemas.openxmlformats.org/presentationml/2006/main">
+  <p:cSld>
+    <p:spTree>
+      <p:nvGrpSpPr>
+        <p:cNvPr id="1" name=""/>
+        <p:cNvGrpSpPr/>
+        <p:nvPr/>
+      </p:nvGrpSpPr>
+      <p:grpSpPr>
+        <a:xfrm>
+          <a:off x="0" y="0"/>
+          <a:ext cx="0" cy="0"/>
+          <a:chOff x="0" y="0"/>
+          <a:chExt cx="0" cy="0"/>
+        </a:xfrm>
+      </p:grpSpPr>
+      <p:sp>
+        <p:nvSpPr>
+          <p:cNvPr id="2" name="Title 1"/>
+          <p:cNvSpPr>
+            <a:spLocks noGrp="1"/>
+          </p:cNvSpPr>
+          <p:nvPr>
+            <p:ph type="title"/>
+          </p:nvPr>
+        </p:nvSpPr>
+        <p:spPr/>
+        <p:txBody>
+          <a:bodyPr/>
+          <a:lstStyle/>
+          <a:p>
+            <a:r>
+              <a:rPr lang="en-US" altLang="zh-HK" dirty="0" smtClean="0"/>
+              <a:t>Result</a:t>
+            </a:r>
+            <a:endParaRPr lang="zh-HK" altLang="en-US" dirty="0"/>
+          </a:p>
+        </p:txBody>
+      </p:sp>
+      <p:pic>
+        <p:nvPicPr>
+          <p:cNvPr id="4" name="Content Placeholder 3"/>
+          <p:cNvPicPr>
+            <a:picLocks noGrp="1" noChangeAspect="1"/>
+          </p:cNvPicPr>
+          <p:nvPr>
+            <p:ph idx="1"/>
+          </p:nvPr>
+        </p:nvPicPr>
+        <p:blipFill>
+          <a:blip r:embed="rId2"/>
+          <a:stretch>
+            <a:fillRect/>
+          </a:stretch>
+        </p:blipFill>
+        <p:spPr>
+          <a:xfrm>
+            <a:off x="1929606" y="2737644"/>
+            <a:ext cx="5810250" cy="3190875"/>
+          </a:xfrm>
+          <a:prstGeom prst="rect">
+            <a:avLst/>
+          </a:prstGeom>
+        </p:spPr>
+      </p:pic>
+    </p:spTree>
+    <p:extLst>
+      <p:ext uri="{BB962C8B-B14F-4D97-AF65-F5344CB8AC3E}">
+        <p14:creationId xmlns:p14="http://schemas.microsoft.com/office/powerpoint/2010/main" val="3006650664"/>
+      </p:ext>
+    </p:extLst>
+  </p:cSld>
+  <p:clrMapOvr>
+    <a:masterClrMapping/>
+  </p:clrMapOvr>
+</p:sld>
+</file>
+
+<file path=ppt/slides/slide23.xml><?xml version="1.0" encoding="utf-8"?>
+<p:sld xmlns:a="http://schemas.openxmlformats.org/drawingml/2006/main" xmlns:r="http://schemas.openxmlformats.org/officeDocument/2006/relationships" xmlns:p="http://schemas.openxmlformats.org/presentationml/2006/main">
+  <p:cSld>
+    <p:spTree>
+      <p:nvGrpSpPr>
+        <p:cNvPr id="1" name=""/>
+        <p:cNvGrpSpPr/>
+        <p:nvPr/>
+      </p:nvGrpSpPr>
+      <p:grpSpPr>
+        <a:xfrm>
+          <a:off x="0" y="0"/>
+          <a:ext cx="0" cy="0"/>
+          <a:chOff x="0" y="0"/>
+          <a:chExt cx="0" cy="0"/>
+        </a:xfrm>
+      </p:grpSpPr>
+      <p:sp>
+        <p:nvSpPr>
+          <p:cNvPr id="2" name="Title 1"/>
+          <p:cNvSpPr>
+            <a:spLocks noGrp="1"/>
+          </p:cNvSpPr>
+          <p:nvPr>
+            <p:ph type="title"/>
+          </p:nvPr>
+        </p:nvSpPr>
+        <p:spPr/>
+        <p:txBody>
+          <a:bodyPr/>
+          <a:lstStyle/>
+          <a:p>
+            <a:r>
+              <a:rPr lang="en-US" altLang="zh-HK" dirty="0" smtClean="0"/>
+              <a:t>Classwork</a:t>
+            </a:r>
+            <a:endParaRPr lang="zh-HK" altLang="en-US" dirty="0"/>
+          </a:p>
+        </p:txBody>
+      </p:sp>
+      <p:sp>
+        <p:nvSpPr>
+          <p:cNvPr id="3" name="Content Placeholder 2"/>
+          <p:cNvSpPr>
+            <a:spLocks noGrp="1"/>
+          </p:cNvSpPr>
+          <p:nvPr>
+            <p:ph idx="1"/>
+          </p:nvPr>
+        </p:nvSpPr>
+        <p:spPr/>
+        <p:txBody>
+          <a:bodyPr/>
+          <a:lstStyle/>
+          <a:p>
+            <a:r>
+              <a:rPr lang="en-US" altLang="zh-HK" dirty="0" smtClean="0"/>
+              <a:t>Add dollar sign</a:t>
+            </a:r>
+          </a:p>
+          <a:p>
+            <a:r>
+              <a:rPr lang="en-US" altLang="zh-HK" dirty="0" smtClean="0"/>
+              <a:t>Change image file name to image</a:t>
+            </a:r>
+            <a:endParaRPr lang="zh-HK" altLang="en-US" dirty="0"/>
+          </a:p>
+        </p:txBody>
+      </p:sp>
+    </p:spTree>
+    <p:extLst>
+      <p:ext uri="{BB962C8B-B14F-4D97-AF65-F5344CB8AC3E}">
+        <p14:creationId xmlns:p14="http://schemas.microsoft.com/office/powerpoint/2010/main" val="1836465916"/>
+      </p:ext>
+    </p:extLst>
+  </p:cSld>
+  <p:clrMapOvr>
+    <a:masterClrMapping/>
+  </p:clrMapOvr>
+</p:sld>
+</file>
+
+<file path=ppt/slides/slide24.xml><?xml version="1.0" encoding="utf-8"?>
+<p:sld xmlns:a="http://schemas.openxmlformats.org/drawingml/2006/main" xmlns:r="http://schemas.openxmlformats.org/officeDocument/2006/relationships" xmlns:p="http://schemas.openxmlformats.org/presentationml/2006/main">
+  <p:cSld>
+    <p:spTree>
+      <p:nvGrpSpPr>
+        <p:cNvPr id="1" name=""/>
+        <p:cNvGrpSpPr/>
+        <p:nvPr/>
+      </p:nvGrpSpPr>
+      <p:grpSpPr>
+        <a:xfrm>
+          <a:off x="0" y="0"/>
+          <a:ext cx="0" cy="0"/>
+          <a:chOff x="0" y="0"/>
+          <a:chExt cx="0" cy="0"/>
+        </a:xfrm>
+      </p:grpSpPr>
+      <p:sp>
+        <p:nvSpPr>
+          <p:cNvPr id="24578" name="Rectangle 2"/>
+          <p:cNvSpPr>
+            <a:spLocks noGrp="1" noChangeArrowheads="1"/>
+          </p:cNvSpPr>
+          <p:nvPr>
+            <p:ph type="ctrTitle"/>
+          </p:nvPr>
+        </p:nvSpPr>
+        <p:spPr>
+          <a:xfrm>
+            <a:off x="1739900" y="914400"/>
+            <a:ext cx="6946900" cy="3487738"/>
+          </a:xfrm>
+        </p:spPr>
+        <p:txBody>
+          <a:bodyPr/>
+          <a:lstStyle/>
+          <a:p>
+            <a:r>
+              <a:rPr lang="en-US" altLang="zh-TW">
+                <a:ln>
+                  <a:noFill/>
+                </a:ln>
+              </a:rPr>
+              <a:t>QUESTIONS</a:t>
+            </a:r>
+          </a:p>
+        </p:txBody>
+      </p:sp>
+      <p:sp>
+        <p:nvSpPr>
+          <p:cNvPr id="24579" name="Subtitle 2"/>
+          <p:cNvSpPr>
+            <a:spLocks noGrp="1"/>
+          </p:cNvSpPr>
+          <p:nvPr>
+            <p:ph type="subTitle" idx="1"/>
+          </p:nvPr>
+        </p:nvSpPr>
+        <p:spPr>
+          <a:xfrm>
+            <a:off x="2924175" y="4402138"/>
+            <a:ext cx="5762625" cy="1365250"/>
+          </a:xfrm>
+        </p:spPr>
+        <p:txBody>
+          <a:bodyPr/>
+          <a:lstStyle/>
+          <a:p>
+            <a:endParaRPr lang="zh-HK" altLang="en-US"/>
+          </a:p>
+        </p:txBody>
+      </p:sp>
+    </p:spTree>
+    <p:extLst>
+      <p:ext uri="{BB962C8B-B14F-4D97-AF65-F5344CB8AC3E}">
+        <p14:creationId xmlns:p14="http://schemas.microsoft.com/office/powerpoint/2010/main" val="3071468176"/>
+      </p:ext>
+    </p:extLst>
+  </p:cSld>
+  <p:clrMapOvr>
+    <a:masterClrMapping/>
+  </p:clrMapOvr>
+</p:sld>
+</file>
+
 <file path=ppt/slides/slide3.xml><?xml version="1.0" encoding="utf-8"?>
 <p:sld xmlns:a="http://schemas.openxmlformats.org/drawingml/2006/main" xmlns:r="http://schemas.openxmlformats.org/officeDocument/2006/relationships" xmlns:p="http://schemas.openxmlformats.org/presentationml/2006/main">
   <p:cSld>
@@ -8878,21 +10099,25 @@
           <a:p>
             <a:r>
               <a:rPr lang="en-US" dirty="0" err="1" smtClean="0"/>
-              <a:t>sms_read.php</a:t>
+              <a:t>sms_readall.php</a:t>
             </a:r>
             <a:endParaRPr lang="en-US" dirty="0" smtClean="0"/>
           </a:p>
           <a:p>
             <a:r>
               <a:rPr lang="en-US" dirty="0" err="1" smtClean="0"/>
-              <a:t>sms_readall.php</a:t>
+              <a:t>sms_readone.php</a:t>
             </a:r>
             <a:endParaRPr lang="en-US" dirty="0" smtClean="0"/>
           </a:p>
           <a:p>
             <a:r>
               <a:rPr lang="en-US" dirty="0" smtClean="0"/>
-              <a:t>images folder</a:t>
+              <a:t>images </a:t>
+            </a:r>
+            <a:r>
+              <a:rPr lang="en-US" dirty="0" smtClean="0"/>
+              <a:t>folder</a:t>
             </a:r>
             <a:endParaRPr lang="en-US" dirty="0"/>
           </a:p>
@@ -8987,11 +10212,15 @@
           <a:p>
             <a:r>
               <a:rPr lang="en-US" altLang="zh-HK" dirty="0" err="1" smtClean="0"/>
-              <a:t>Ctrl+F</a:t>
+              <a:t>Ctrl+H</a:t>
             </a:r>
             <a:r>
               <a:rPr lang="en-US" altLang="zh-HK" dirty="0" smtClean="0"/>
-              <a:t> replace </a:t>
+              <a:t> </a:t>
+            </a:r>
+            <a:r>
+              <a:rPr lang="en-US" altLang="zh-HK" dirty="0" smtClean="0"/>
+              <a:t>replace </a:t>
             </a:r>
             <a:r>
               <a:rPr lang="en-US" altLang="zh-HK" b="1" dirty="0" err="1" smtClean="0"/>
@@ -9007,44 +10236,40 @@
             </a:r>
           </a:p>
           <a:p>
-            <a:r>
-              <a:rPr lang="en-US" altLang="zh-HK" dirty="0" smtClean="0"/>
-              <a:t>Remove </a:t>
-            </a:r>
-            <a:r>
-              <a:rPr lang="en-US" altLang="zh-HK" b="1" dirty="0" smtClean="0"/>
-              <a:t>Create</a:t>
-            </a:r>
-            <a:r>
-              <a:rPr lang="en-US" altLang="zh-HK" dirty="0" smtClean="0"/>
-              <a:t> link</a:t>
-            </a:r>
-          </a:p>
-          <a:p>
-            <a:r>
-              <a:rPr lang="en-US" altLang="zh-HK" dirty="0" smtClean="0"/>
-              <a:t>Remove </a:t>
-            </a:r>
-            <a:r>
-              <a:rPr lang="en-US" altLang="zh-HK" b="1" dirty="0" smtClean="0"/>
-              <a:t>Update</a:t>
-            </a:r>
-            <a:r>
-              <a:rPr lang="en-US" altLang="zh-HK" dirty="0" smtClean="0"/>
-              <a:t> and </a:t>
-            </a:r>
-            <a:r>
-              <a:rPr lang="en-US" altLang="zh-HK" b="1" dirty="0" smtClean="0"/>
-              <a:t>Delete</a:t>
-            </a:r>
-            <a:r>
-              <a:rPr lang="en-US" altLang="zh-HK" dirty="0" smtClean="0"/>
-              <a:t> column</a:t>
-            </a:r>
-            <a:endParaRPr lang="zh-HK" altLang="en-US" dirty="0"/>
-          </a:p>
-        </p:txBody>
-      </p:sp>
+            <a:endParaRPr lang="en-US" altLang="zh-HK" b="1" dirty="0"/>
+          </a:p>
+          <a:p>
+            <a:endParaRPr lang="en-US" altLang="zh-HK" b="1" dirty="0" smtClean="0"/>
+          </a:p>
+          <a:p>
+            <a:endParaRPr lang="en-US" altLang="zh-HK" b="1" dirty="0" smtClean="0"/>
+          </a:p>
+        </p:txBody>
+      </p:sp>
+      <p:pic>
+        <p:nvPicPr>
+          <p:cNvPr id="4" name="Picture 3"/>
+          <p:cNvPicPr>
+            <a:picLocks noChangeAspect="1"/>
+          </p:cNvPicPr>
+          <p:nvPr/>
+        </p:nvPicPr>
+        <p:blipFill>
+          <a:blip r:embed="rId2"/>
+          <a:stretch>
+            <a:fillRect/>
+          </a:stretch>
+        </p:blipFill>
+        <p:spPr>
+          <a:xfrm>
+            <a:off x="3203848" y="4101083"/>
+            <a:ext cx="5857875" cy="2743200"/>
+          </a:xfrm>
+          <a:prstGeom prst="rect">
+            <a:avLst/>
+          </a:prstGeom>
+        </p:spPr>
+      </p:pic>
     </p:spTree>
     <p:extLst>
       <p:ext uri="{BB962C8B-B14F-4D97-AF65-F5344CB8AC3E}">
@@ -9092,7 +10317,7 @@
           <a:p>
             <a:r>
               <a:rPr lang="en-US" altLang="zh-HK" dirty="0" smtClean="0"/>
-              <a:t>Layout</a:t>
+              <a:t>Remove useless links</a:t>
             </a:r>
             <a:endParaRPr lang="zh-HK" altLang="en-US" dirty="0"/>
           </a:p>
@@ -9115,38 +10340,85 @@
           <a:p>
             <a:r>
               <a:rPr lang="en-US" altLang="zh-HK" dirty="0" smtClean="0"/>
-              <a:t>Attach the products.css</a:t>
-            </a:r>
-          </a:p>
-          <a:p>
-            <a:r>
-              <a:rPr lang="en-US" altLang="zh-HK" dirty="0" err="1"/>
-              <a:t>div.products_list</a:t>
-            </a:r>
-            <a:r>
-              <a:rPr lang="en-US" altLang="zh-HK" dirty="0"/>
-              <a:t>&gt;</a:t>
-            </a:r>
-            <a:r>
-              <a:rPr lang="en-US" altLang="zh-HK" dirty="0" err="1"/>
-              <a:t>div.product</a:t>
-            </a:r>
-            <a:r>
-              <a:rPr lang="en-US" altLang="zh-HK" dirty="0"/>
-              <a:t>&gt;</a:t>
-            </a:r>
-            <a:r>
-              <a:rPr lang="en-US" altLang="zh-HK" dirty="0" err="1"/>
-              <a:t>div.product_image+div.product_name+div.product_price</a:t>
-            </a:r>
+              <a:t>Remove </a:t>
+            </a:r>
+            <a:r>
+              <a:rPr lang="en-US" altLang="zh-HK" b="1" dirty="0" smtClean="0"/>
+              <a:t>Create</a:t>
+            </a:r>
+            <a:r>
+              <a:rPr lang="en-US" altLang="zh-HK" dirty="0" smtClean="0"/>
+              <a:t> link</a:t>
+            </a:r>
+          </a:p>
+          <a:p>
+            <a:r>
+              <a:rPr lang="en-US" altLang="zh-HK" dirty="0" smtClean="0"/>
+              <a:t>Remove </a:t>
+            </a:r>
+            <a:r>
+              <a:rPr lang="en-US" altLang="zh-HK" b="1" dirty="0" smtClean="0"/>
+              <a:t>Update</a:t>
+            </a:r>
+            <a:r>
+              <a:rPr lang="en-US" altLang="zh-HK" dirty="0" smtClean="0"/>
+              <a:t> and </a:t>
+            </a:r>
+            <a:r>
+              <a:rPr lang="en-US" altLang="zh-HK" b="1" dirty="0" smtClean="0"/>
+              <a:t>Delete</a:t>
+            </a:r>
+            <a:r>
+              <a:rPr lang="en-US" altLang="zh-HK" dirty="0" smtClean="0"/>
+              <a:t> </a:t>
+            </a:r>
+            <a:r>
+              <a:rPr lang="en-US" altLang="zh-HK" dirty="0" smtClean="0"/>
+              <a:t>column</a:t>
+            </a:r>
+          </a:p>
+          <a:p>
+            <a:endParaRPr lang="en-US" altLang="zh-HK" dirty="0" smtClean="0"/>
+          </a:p>
+          <a:p>
+            <a:endParaRPr lang="en-US" altLang="zh-HK" dirty="0"/>
+          </a:p>
+          <a:p>
+            <a:endParaRPr lang="en-US" altLang="zh-HK" dirty="0" smtClean="0"/>
+          </a:p>
+          <a:p>
             <a:endParaRPr lang="zh-HK" altLang="en-US" dirty="0"/>
           </a:p>
         </p:txBody>
       </p:sp>
+      <p:pic>
+        <p:nvPicPr>
+          <p:cNvPr id="4" name="Picture 3"/>
+          <p:cNvPicPr>
+            <a:picLocks noChangeAspect="1"/>
+          </p:cNvPicPr>
+          <p:nvPr/>
+        </p:nvPicPr>
+        <p:blipFill>
+          <a:blip r:embed="rId2"/>
+          <a:stretch>
+            <a:fillRect/>
+          </a:stretch>
+        </p:blipFill>
+        <p:spPr>
+          <a:xfrm>
+            <a:off x="3059832" y="3905250"/>
+            <a:ext cx="5943600" cy="2952750"/>
+          </a:xfrm>
+          <a:prstGeom prst="rect">
+            <a:avLst/>
+          </a:prstGeom>
+        </p:spPr>
+      </p:pic>
     </p:spTree>
     <p:extLst>
       <p:ext uri="{BB962C8B-B14F-4D97-AF65-F5344CB8AC3E}">
-        <p14:creationId xmlns:p14="http://schemas.microsoft.com/office/powerpoint/2010/main" val="2370935618"/>
+        <p14:creationId xmlns:p14="http://schemas.microsoft.com/office/powerpoint/2010/main" val="351084621"/>
       </p:ext>
     </p:extLst>
   </p:cSld>
@@ -9190,7 +10462,7 @@
           <a:p>
             <a:r>
               <a:rPr lang="en-US" altLang="zh-HK" dirty="0" smtClean="0"/>
-              <a:t>PHP</a:t>
+              <a:t>Change field</a:t>
             </a:r>
             <a:endParaRPr lang="zh-HK" altLang="en-US" dirty="0"/>
           </a:p>
@@ -9213,84 +10485,56 @@
           <a:p>
             <a:r>
               <a:rPr lang="en-US" altLang="zh-HK" dirty="0" smtClean="0"/>
-              <a:t>Move PHP </a:t>
+              <a:t>Change </a:t>
+            </a:r>
+            <a:r>
+              <a:rPr lang="en-US" altLang="zh-HK" b="1" dirty="0" smtClean="0"/>
+              <a:t>message</a:t>
+            </a:r>
+            <a:r>
+              <a:rPr lang="en-US" altLang="zh-HK" dirty="0" smtClean="0"/>
+              <a:t> to </a:t>
+            </a:r>
+            <a:r>
+              <a:rPr lang="en-US" altLang="zh-HK" b="1" dirty="0" smtClean="0"/>
+              <a:t>name</a:t>
+            </a:r>
+            <a:r>
+              <a:rPr lang="en-US" altLang="zh-HK" dirty="0" smtClean="0"/>
+              <a:t> </a:t>
+            </a:r>
+            <a:r>
+              <a:rPr lang="en-US" altLang="zh-HK" dirty="0" smtClean="0"/>
+              <a:t>and </a:t>
+            </a:r>
+            <a:r>
+              <a:rPr lang="en-US" altLang="zh-HK" b="1" dirty="0" err="1" smtClean="0"/>
+              <a:t>createdate</a:t>
+            </a:r>
+            <a:r>
+              <a:rPr lang="en-US" altLang="zh-HK" dirty="0" smtClean="0"/>
+              <a:t> to </a:t>
+            </a:r>
+            <a:r>
+              <a:rPr lang="en-US" altLang="zh-HK" b="1" dirty="0" smtClean="0"/>
+              <a:t>price</a:t>
             </a:r>
             <a:r>
               <a:rPr lang="en-US" altLang="zh-HK" dirty="0"/>
-              <a:t>code outside </a:t>
-            </a:r>
-            <a:r>
-              <a:rPr lang="en-US" altLang="zh-HK" b="1" dirty="0" err="1" smtClean="0"/>
-              <a:t>div.product</a:t>
-            </a:r>
-            <a:r>
-              <a:rPr lang="en-US" altLang="zh-HK" dirty="0"/>
-              <a:t>.</a:t>
-            </a:r>
-            <a:endParaRPr lang="en-US" altLang="zh-HK" dirty="0" smtClean="0"/>
-          </a:p>
-          <a:p>
-            <a:r>
-              <a:rPr lang="en-US" altLang="zh-HK" dirty="0"/>
-              <a:t>&lt;?</a:t>
-            </a:r>
-            <a:r>
-              <a:rPr lang="en-US" altLang="zh-HK" dirty="0" err="1"/>
-              <a:t>php</a:t>
-            </a:r>
-            <a:endParaRPr lang="en-US" altLang="zh-HK" dirty="0"/>
-          </a:p>
-          <a:p>
-            <a:r>
-              <a:rPr lang="en-US" altLang="zh-HK" dirty="0" err="1"/>
-              <a:t>foreach</a:t>
-            </a:r>
-            <a:r>
-              <a:rPr lang="en-US" altLang="zh-HK" dirty="0"/>
-              <a:t>($</a:t>
-            </a:r>
-            <a:r>
-              <a:rPr lang="en-US" altLang="zh-HK" dirty="0" err="1"/>
-              <a:t>recordset</a:t>
-            </a:r>
-            <a:r>
-              <a:rPr lang="en-US" altLang="zh-HK" dirty="0"/>
-              <a:t> as $record){</a:t>
-            </a:r>
-          </a:p>
-          <a:p>
+              <a:t> </a:t>
+            </a:r>
             <a:r>
               <a:rPr lang="en-US" altLang="zh-HK" dirty="0" smtClean="0"/>
-              <a:t>?&gt;</a:t>
-            </a:r>
-          </a:p>
-          <a:p>
-            <a:r>
-              <a:rPr lang="en-US" altLang="zh-HK" dirty="0" smtClean="0"/>
-              <a:t>[…]</a:t>
-            </a:r>
-          </a:p>
-          <a:p>
-            <a:r>
-              <a:rPr lang="en-US" altLang="zh-HK" dirty="0"/>
-              <a:t>&lt;?</a:t>
-            </a:r>
-            <a:r>
-              <a:rPr lang="en-US" altLang="zh-HK" dirty="0" err="1"/>
-              <a:t>php</a:t>
-            </a:r>
-            <a:r>
-              <a:rPr lang="en-US" altLang="zh-HK" dirty="0"/>
-              <a:t> } ?&gt;</a:t>
-            </a:r>
-            <a:endParaRPr lang="zh-HK" altLang="en-US" dirty="0"/>
+              <a:t>in both table header and PHP code</a:t>
+            </a:r>
+            <a:endParaRPr lang="en-US" altLang="zh-HK" b="1" dirty="0" smtClean="0"/>
           </a:p>
         </p:txBody>
       </p:sp>
     </p:spTree>
     <p:extLst>
       <p:ext uri="{BB962C8B-B14F-4D97-AF65-F5344CB8AC3E}">
-        <p14:creationId xmlns:p14="http://schemas.microsoft.com/office/powerpoint/2010/main" val="3215714020"/>
+        <p14:creationId xmlns:p14="http://schemas.microsoft.com/office/powerpoint/2010/main" val="2714054499"/>
       </p:ext>
     </p:extLst>
   </p:cSld>
@@ -9334,84 +10578,42 @@
           <a:p>
             <a:r>
               <a:rPr lang="en-US" altLang="zh-HK" dirty="0" smtClean="0"/>
-              <a:t>Image</a:t>
+              <a:t>code</a:t>
             </a:r>
             <a:endParaRPr lang="zh-HK" altLang="en-US" dirty="0"/>
           </a:p>
         </p:txBody>
       </p:sp>
-      <p:sp>
-        <p:nvSpPr>
-          <p:cNvPr id="3" name="Content Placeholder 2"/>
-          <p:cNvSpPr>
-            <a:spLocks noGrp="1"/>
-          </p:cNvSpPr>
+      <p:pic>
+        <p:nvPicPr>
+          <p:cNvPr id="4" name="Content Placeholder 3"/>
+          <p:cNvPicPr>
+            <a:picLocks noGrp="1" noChangeAspect="1"/>
+          </p:cNvPicPr>
           <p:nvPr>
             <p:ph idx="1"/>
           </p:nvPr>
-        </p:nvSpPr>
-        <p:spPr/>
-        <p:txBody>
-          <a:bodyPr/>
-          <a:lstStyle/>
-          <a:p>
-            <a:r>
-              <a:rPr lang="en-US" altLang="zh-HK" dirty="0"/>
-              <a:t>&lt;</a:t>
-            </a:r>
-            <a:r>
-              <a:rPr lang="en-US" altLang="zh-HK" dirty="0" err="1"/>
-              <a:t>img</a:t>
-            </a:r>
-            <a:r>
-              <a:rPr lang="en-US" altLang="zh-HK" dirty="0"/>
-              <a:t> </a:t>
-            </a:r>
-            <a:r>
-              <a:rPr lang="en-US" altLang="zh-HK" dirty="0" err="1"/>
-              <a:t>src</a:t>
-            </a:r>
-            <a:r>
-              <a:rPr lang="en-US" altLang="zh-HK" dirty="0" smtClean="0"/>
-              <a:t>=""&gt;</a:t>
-            </a:r>
-          </a:p>
-          <a:p>
-            <a:r>
-              <a:rPr lang="en-US" altLang="zh-HK" dirty="0"/>
-              <a:t>Move &lt;?</a:t>
-            </a:r>
-            <a:r>
-              <a:rPr lang="en-US" altLang="zh-HK" dirty="0" err="1"/>
-              <a:t>php</a:t>
-            </a:r>
-            <a:r>
-              <a:rPr lang="en-US" altLang="zh-HK" dirty="0"/>
-              <a:t> echo $record['image']; </a:t>
-            </a:r>
-            <a:r>
-              <a:rPr lang="en-US" altLang="zh-HK" dirty="0" smtClean="0"/>
-              <a:t>?&gt; inside </a:t>
-            </a:r>
-            <a:r>
-              <a:rPr lang="en-US" altLang="zh-HK" b="1" dirty="0" err="1" smtClean="0"/>
-              <a:t>src</a:t>
-            </a:r>
-            <a:endParaRPr lang="en-US" altLang="zh-HK" b="1" dirty="0" smtClean="0"/>
-          </a:p>
-          <a:p>
-            <a:r>
-              <a:rPr lang="en-US" altLang="zh-HK" dirty="0"/>
-              <a:t>width="100" height="100"</a:t>
-            </a:r>
-            <a:endParaRPr lang="zh-HK" altLang="en-US" dirty="0"/>
-          </a:p>
-        </p:txBody>
-      </p:sp>
+        </p:nvPicPr>
+        <p:blipFill>
+          <a:blip r:embed="rId2"/>
+          <a:stretch>
+            <a:fillRect/>
+          </a:stretch>
+        </p:blipFill>
+        <p:spPr>
+          <a:xfrm>
+            <a:off x="2029222" y="2667000"/>
+            <a:ext cx="5611018" cy="3332163"/>
+          </a:xfrm>
+          <a:prstGeom prst="rect">
+            <a:avLst/>
+          </a:prstGeom>
+        </p:spPr>
+      </p:pic>
     </p:spTree>
     <p:extLst>
       <p:ext uri="{BB962C8B-B14F-4D97-AF65-F5344CB8AC3E}">
-        <p14:creationId xmlns:p14="http://schemas.microsoft.com/office/powerpoint/2010/main" val="4013111921"/>
+        <p14:creationId xmlns:p14="http://schemas.microsoft.com/office/powerpoint/2010/main" val="3115802961"/>
       </p:ext>
     </p:extLst>
   </p:cSld>
@@ -9455,39 +10657,42 @@
           <a:p>
             <a:r>
               <a:rPr lang="en-US" altLang="zh-HK" dirty="0" smtClean="0"/>
-              <a:t>Dollar sign</a:t>
+              <a:t>Result</a:t>
             </a:r>
             <a:endParaRPr lang="zh-HK" altLang="en-US" dirty="0"/>
           </a:p>
         </p:txBody>
       </p:sp>
-      <p:sp>
-        <p:nvSpPr>
-          <p:cNvPr id="3" name="Content Placeholder 2"/>
-          <p:cNvSpPr>
-            <a:spLocks noGrp="1"/>
-          </p:cNvSpPr>
+      <p:pic>
+        <p:nvPicPr>
+          <p:cNvPr id="6" name="Content Placeholder 5"/>
+          <p:cNvPicPr>
+            <a:picLocks noGrp="1" noChangeAspect="1"/>
+          </p:cNvPicPr>
           <p:nvPr>
             <p:ph idx="1"/>
           </p:nvPr>
-        </p:nvSpPr>
-        <p:spPr/>
-        <p:txBody>
-          <a:bodyPr/>
-          <a:lstStyle/>
-          <a:p>
-            <a:r>
-              <a:rPr lang="en-US" altLang="zh-HK" dirty="0" smtClean="0"/>
-              <a:t>Add a dollar sign before the price.</a:t>
-            </a:r>
-            <a:endParaRPr lang="zh-HK" altLang="en-US" dirty="0"/>
-          </a:p>
-        </p:txBody>
-      </p:sp>
+        </p:nvPicPr>
+        <p:blipFill>
+          <a:blip r:embed="rId2"/>
+          <a:stretch>
+            <a:fillRect/>
+          </a:stretch>
+        </p:blipFill>
+        <p:spPr>
+          <a:xfrm>
+            <a:off x="1881981" y="2913856"/>
+            <a:ext cx="5905500" cy="2838450"/>
+          </a:xfrm>
+          <a:prstGeom prst="rect">
+            <a:avLst/>
+          </a:prstGeom>
+        </p:spPr>
+      </p:pic>
     </p:spTree>
     <p:extLst>
       <p:ext uri="{BB962C8B-B14F-4D97-AF65-F5344CB8AC3E}">
-        <p14:creationId xmlns:p14="http://schemas.microsoft.com/office/powerpoint/2010/main" val="1904726321"/>
+        <p14:creationId xmlns:p14="http://schemas.microsoft.com/office/powerpoint/2010/main" val="1085538234"/>
       </p:ext>
     </p:extLst>
   </p:cSld>
@@ -9531,7 +10736,7 @@
           <a:p>
             <a:r>
               <a:rPr lang="en-US" altLang="zh-HK" dirty="0" smtClean="0"/>
-              <a:t>Link</a:t>
+              <a:t>HTML Layout</a:t>
             </a:r>
             <a:endParaRPr lang="zh-HK" altLang="en-US" dirty="0"/>
           </a:p>
@@ -9553,58 +10758,24 @@
           <a:lstStyle/>
           <a:p>
             <a:r>
-              <a:rPr lang="en-US" altLang="zh-HK" dirty="0"/>
-              <a:t>Move </a:t>
+              <a:rPr lang="en-US" altLang="zh-HK" dirty="0" err="1" smtClean="0"/>
+              <a:t>div.products_list</a:t>
             </a:r>
             <a:r>
               <a:rPr lang="en-US" altLang="zh-HK" dirty="0" smtClean="0"/>
-              <a:t>link HTML </a:t>
-            </a:r>
-            <a:r>
-              <a:rPr lang="en-US" altLang="zh-HK" dirty="0"/>
-              <a:t>code outside </a:t>
-            </a:r>
-            <a:r>
-              <a:rPr lang="en-US" altLang="zh-HK" b="1" dirty="0" err="1"/>
+              <a:t>&gt;</a:t>
+            </a:r>
+            <a:r>
+              <a:rPr lang="en-US" altLang="zh-HK" dirty="0" err="1" smtClean="0"/>
               <a:t>div.product</a:t>
             </a:r>
             <a:r>
               <a:rPr lang="en-US" altLang="zh-HK" dirty="0" smtClean="0"/>
-              <a:t>.</a:t>
-            </a:r>
-          </a:p>
-          <a:p>
-            <a:r>
-              <a:rPr lang="en-US" altLang="zh-HK" dirty="0" smtClean="0"/>
-              <a:t>&lt;</a:t>
-            </a:r>
-            <a:r>
-              <a:rPr lang="en-US" altLang="zh-HK" dirty="0"/>
-              <a:t>a </a:t>
-            </a:r>
-            <a:r>
-              <a:rPr lang="en-US" altLang="zh-HK" dirty="0" err="1"/>
-              <a:t>href</a:t>
-            </a:r>
-            <a:r>
-              <a:rPr lang="en-US" altLang="zh-HK" dirty="0"/>
-              <a:t>="</a:t>
-            </a:r>
-            <a:r>
-              <a:rPr lang="en-US" altLang="zh-HK" dirty="0" err="1"/>
-              <a:t>products_read.php?id</a:t>
-            </a:r>
-            <a:r>
-              <a:rPr lang="en-US" altLang="zh-HK" dirty="0"/>
-              <a:t>=&lt;?</a:t>
-            </a:r>
-            <a:r>
-              <a:rPr lang="en-US" altLang="zh-HK" dirty="0" err="1"/>
-              <a:t>php</a:t>
-            </a:r>
-            <a:r>
-              <a:rPr lang="en-US" altLang="zh-HK" dirty="0"/>
-              <a:t> echo $record['id']; ?&gt;"&gt;</a:t>
+              <a:t>&gt;</a:t>
+            </a:r>
+            <a:r>
+              <a:rPr lang="en-US" altLang="zh-HK" dirty="0" err="1" smtClean="0"/>
+              <a:t>div.product_image+div.product_name+div.product_price</a:t>
             </a:r>
             <a:endParaRPr lang="zh-HK" altLang="en-US" dirty="0"/>
           </a:p>
@@ -9613,7 +10784,7 @@
     </p:spTree>
     <p:extLst>
       <p:ext uri="{BB962C8B-B14F-4D97-AF65-F5344CB8AC3E}">
-        <p14:creationId xmlns:p14="http://schemas.microsoft.com/office/powerpoint/2010/main" val="180331624"/>
+        <p14:creationId xmlns:p14="http://schemas.microsoft.com/office/powerpoint/2010/main" val="1196652712"/>
       </p:ext>
     </p:extLst>
   </p:cSld>
@@ -9873,7 +11044,7 @@
   <a:extraClrSchemeLst/>
   <a:extLst>
     <a:ext uri="{05A4C25C-085E-4340-85A3-A5531E510DB2}">
-      <thm15:themeFamily xmlns:thm15="http://schemas.microsoft.com/office/thememl/2012/main" xmlns="" name="Parallax" id="{3388167B-A2EB-4685-9635-1831D9AEF8C4}" vid="{4F7A876A-7598-49CA-AFC8-8EDA2551E4A7}"/>
+      <thm15:themeFamily xmlns:thm15="http://schemas.microsoft.com/office/thememl/2012/main" name="Parallax" id="{3388167B-A2EB-4685-9635-1831D9AEF8C4}" vid="{4F7A876A-7598-49CA-AFC8-8EDA2551E4A7}"/>
     </a:ext>
   </a:extLst>
 </a:theme>
